--- a/Java SE 8 Teaching Material/Chapter 12 + 13  Working with Math, Random and String classes/Chapter 12 + 13 - Working with Math, Random and String classes.pptx
+++ b/Java SE 8 Teaching Material/Chapter 12 + 13  Working with Math, Random and String classes/Chapter 12 + 13 - Working with Math, Random and String classes.pptx
@@ -1620,7 +1620,7 @@
           <a:p>
             <a:fld id="{7664DC43-F744-704A-A194-E80C7BE54CAA}" type="datetimeFigureOut">
               <a:rPr lang="en-VN" smtClean="0"/>
-              <a:t>09/21/2024</a:t>
+              <a:t>09/23/2024</a:t>
             </a:fld>
             <a:endParaRPr lang="en-VN"/>
           </a:p>
@@ -2035,7 +2035,7 @@
           <a:p>
             <a:fld id="{BAA8DE05-51EE-4692-B197-877FA1DAAAED}" type="datetimeFigureOut">
               <a:rPr lang="en-US" smtClean="0"/>
-              <a:t>9/21/2024</a:t>
+              <a:t>9/23/2024</a:t>
             </a:fld>
             <a:endParaRPr lang="en-US"/>
           </a:p>
@@ -2233,7 +2233,7 @@
           <a:p>
             <a:fld id="{BAA8DE05-51EE-4692-B197-877FA1DAAAED}" type="datetimeFigureOut">
               <a:rPr lang="en-US" smtClean="0"/>
-              <a:t>9/21/2024</a:t>
+              <a:t>9/23/2024</a:t>
             </a:fld>
             <a:endParaRPr lang="en-US"/>
           </a:p>
@@ -2441,7 +2441,7 @@
           <a:p>
             <a:fld id="{BAA8DE05-51EE-4692-B197-877FA1DAAAED}" type="datetimeFigureOut">
               <a:rPr lang="en-US" smtClean="0"/>
-              <a:t>9/21/2024</a:t>
+              <a:t>9/23/2024</a:t>
             </a:fld>
             <a:endParaRPr lang="en-US"/>
           </a:p>
@@ -2639,7 +2639,7 @@
           <a:p>
             <a:fld id="{BAA8DE05-51EE-4692-B197-877FA1DAAAED}" type="datetimeFigureOut">
               <a:rPr lang="en-US" smtClean="0"/>
-              <a:t>9/21/2024</a:t>
+              <a:t>9/23/2024</a:t>
             </a:fld>
             <a:endParaRPr lang="en-US"/>
           </a:p>
@@ -2914,7 +2914,7 @@
           <a:p>
             <a:fld id="{BAA8DE05-51EE-4692-B197-877FA1DAAAED}" type="datetimeFigureOut">
               <a:rPr lang="en-US" smtClean="0"/>
-              <a:t>9/21/2024</a:t>
+              <a:t>9/23/2024</a:t>
             </a:fld>
             <a:endParaRPr lang="en-US"/>
           </a:p>
@@ -3179,7 +3179,7 @@
           <a:p>
             <a:fld id="{BAA8DE05-51EE-4692-B197-877FA1DAAAED}" type="datetimeFigureOut">
               <a:rPr lang="en-US" smtClean="0"/>
-              <a:t>9/21/2024</a:t>
+              <a:t>9/23/2024</a:t>
             </a:fld>
             <a:endParaRPr lang="en-US"/>
           </a:p>
@@ -3591,7 +3591,7 @@
           <a:p>
             <a:fld id="{BAA8DE05-51EE-4692-B197-877FA1DAAAED}" type="datetimeFigureOut">
               <a:rPr lang="en-US" smtClean="0"/>
-              <a:t>9/21/2024</a:t>
+              <a:t>9/23/2024</a:t>
             </a:fld>
             <a:endParaRPr lang="en-US"/>
           </a:p>
@@ -3732,7 +3732,7 @@
           <a:p>
             <a:fld id="{BAA8DE05-51EE-4692-B197-877FA1DAAAED}" type="datetimeFigureOut">
               <a:rPr lang="en-US" smtClean="0"/>
-              <a:t>9/21/2024</a:t>
+              <a:t>9/23/2024</a:t>
             </a:fld>
             <a:endParaRPr lang="en-US"/>
           </a:p>
@@ -3845,7 +3845,7 @@
           <a:p>
             <a:fld id="{BAA8DE05-51EE-4692-B197-877FA1DAAAED}" type="datetimeFigureOut">
               <a:rPr lang="en-US" smtClean="0"/>
-              <a:t>9/21/2024</a:t>
+              <a:t>9/23/2024</a:t>
             </a:fld>
             <a:endParaRPr lang="en-US"/>
           </a:p>
@@ -4156,7 +4156,7 @@
           <a:p>
             <a:fld id="{BAA8DE05-51EE-4692-B197-877FA1DAAAED}" type="datetimeFigureOut">
               <a:rPr lang="en-US" smtClean="0"/>
-              <a:t>9/21/2024</a:t>
+              <a:t>9/23/2024</a:t>
             </a:fld>
             <a:endParaRPr lang="en-US"/>
           </a:p>
@@ -4444,7 +4444,7 @@
           <a:p>
             <a:fld id="{BAA8DE05-51EE-4692-B197-877FA1DAAAED}" type="datetimeFigureOut">
               <a:rPr lang="en-US" smtClean="0"/>
-              <a:t>9/21/2024</a:t>
+              <a:t>9/23/2024</a:t>
             </a:fld>
             <a:endParaRPr lang="en-US"/>
           </a:p>
@@ -4685,7 +4685,7 @@
           <a:p>
             <a:fld id="{BAA8DE05-51EE-4692-B197-877FA1DAAAED}" type="datetimeFigureOut">
               <a:rPr lang="en-US" smtClean="0"/>
-              <a:t>9/21/2024</a:t>
+              <a:t>9/23/2024</a:t>
             </a:fld>
             <a:endParaRPr lang="en-US"/>
           </a:p>
@@ -5225,7 +5225,7 @@
           <a:p>
             <a:r>
               <a:rPr lang="en-US" sz="1800" b="1" dirty="0"/>
-              <a:t>13.1 Creating ande manipulating Strings </a:t>
+              <a:t>13.1 Creating and manipulating Strings </a:t>
             </a:r>
             <a:r>
               <a:rPr lang="en-US" sz="1800" dirty="0"/>
@@ -5748,7 +5748,7 @@
           <a:p>
             <a:r>
               <a:rPr lang="en-US" sz="1800" b="1" dirty="0"/>
-              <a:t>13.1 Creating ande manipulating Strings </a:t>
+              <a:t>13.1 Creating and manipulating Strings </a:t>
             </a:r>
             <a:r>
               <a:rPr lang="en-US" sz="1800" dirty="0"/>
@@ -6516,7 +6516,7 @@
           <a:p>
             <a:r>
               <a:rPr lang="en-US" sz="1800" b="1" dirty="0"/>
-              <a:t>13.1 Creating ande manipulating Strings </a:t>
+              <a:t>13.1 Creating and manipulating Strings </a:t>
             </a:r>
             <a:r>
               <a:rPr lang="en-US" sz="1800" dirty="0"/>
@@ -7351,7 +7351,7 @@
           <a:p>
             <a:r>
               <a:rPr lang="en-US" sz="1800" b="1" dirty="0"/>
-              <a:t>13.1 Creating ande manipulating Strings </a:t>
+              <a:t>13.1 Creating and manipulating Strings </a:t>
             </a:r>
             <a:r>
               <a:rPr lang="en-US" sz="1800" dirty="0"/>
@@ -7706,7 +7706,7 @@
           <a:p>
             <a:r>
               <a:rPr lang="en-US" sz="1800" b="1" dirty="0"/>
-              <a:t>13.1 Creating ande manipulating Strings </a:t>
+              <a:t>13.1 Creating and manipulating Strings </a:t>
             </a:r>
             <a:r>
               <a:rPr lang="en-US" sz="1800" dirty="0"/>
@@ -11947,7 +11947,7 @@
           <a:p>
             <a:r>
               <a:rPr lang="en-US" sz="1800" b="1" dirty="0"/>
-              <a:t>13.1 Creating ande manipulating Strings </a:t>
+              <a:t>13.1 Creating and manipulating Strings </a:t>
             </a:r>
             <a:r>
               <a:rPr lang="en-US" sz="1800" dirty="0"/>
@@ -12526,7 +12526,7 @@
           <a:p>
             <a:r>
               <a:rPr lang="en-US" sz="1800" b="1" dirty="0"/>
-              <a:t>13.1 Creating ande manipulating Strings </a:t>
+              <a:t>13.1 Creating and manipulating Strings </a:t>
             </a:r>
             <a:r>
               <a:rPr lang="en-US" sz="1800" dirty="0"/>
@@ -13673,7 +13673,7 @@
           <a:p>
             <a:r>
               <a:rPr lang="en-US" sz="1800" b="1" dirty="0"/>
-              <a:t>13.1 Creating ande manipulating Strings </a:t>
+              <a:t>13.1 Creating and manipulating Strings </a:t>
             </a:r>
             <a:r>
               <a:rPr lang="en-US" sz="1800" dirty="0"/>
